--- a/img/mtorsion.pptx
+++ b/img/mtorsion.pptx
@@ -151,7 +151,7 @@
       </p14:sectionLst>
     </p:ext>
     <p:ext uri="{EFAFB233-063F-42B5-8137-9DF3F51BA10A}">
-      <p15:sldGuideLst xmlns="" xmlns:p15="http://schemas.microsoft.com/office/powerpoint/2012/main">
+      <p15:sldGuideLst xmlns:p15="http://schemas.microsoft.com/office/powerpoint/2012/main" xmlns="">
         <p15:guide id="1" orient="horz" pos="2160">
           <p15:clr>
             <a:srgbClr val="A4A3A4"/>
@@ -165,7 +165,7 @@
       </p15:sldGuideLst>
     </p:ext>
     <p:ext uri="{2D200454-40CA-4A62-9FC3-DE9A4176ACB9}">
-      <p15:notesGuideLst xmlns="" xmlns:p15="http://schemas.microsoft.com/office/powerpoint/2012/main">
+      <p15:notesGuideLst xmlns:p15="http://schemas.microsoft.com/office/powerpoint/2012/main" xmlns="">
         <p15:guide id="1" orient="horz" pos="3223">
           <p15:clr>
             <a:srgbClr val="A4A3A4"/>
@@ -1966,9 +1966,8 @@
             </a:avLst>
           </a:prstGeom>
           <a:solidFill>
-            <a:schemeClr val="accent5">
-              <a:lumMod val="20000"/>
-              <a:lumOff val="80000"/>
+            <a:schemeClr val="bg1">
+              <a:lumMod val="85000"/>
             </a:schemeClr>
           </a:solidFill>
           <a:ln>
@@ -2183,8 +2182,8 @@
           </p:txBody>
         </p:sp>
       </p:grpSp>
-      <mc:AlternateContent xmlns:mc="http://schemas.openxmlformats.org/markup-compatibility/2006">
-        <mc:Choice xmlns:a14="http://schemas.microsoft.com/office/drawing/2010/main" Requires="a14">
+      <mc:AlternateContent xmlns:mc="http://schemas.openxmlformats.org/markup-compatibility/2006" xmlns:a14="http://schemas.microsoft.com/office/drawing/2010/main">
+        <mc:Choice Requires="a14">
           <p:sp>
             <p:nvSpPr>
               <p:cNvPr id="57" name="テキスト ボックス 56"/>
@@ -2261,7 +2260,7 @@
             </p:txBody>
           </p:sp>
         </mc:Choice>
-        <mc:Fallback>
+        <mc:Fallback xmlns="">
           <p:sp>
             <p:nvSpPr>
               <p:cNvPr id="57" name="テキスト ボックス 56"/>

--- a/img/mtorsion.pptx
+++ b/img/mtorsion.pptx
@@ -151,7 +151,7 @@
       </p14:sectionLst>
     </p:ext>
     <p:ext uri="{EFAFB233-063F-42B5-8137-9DF3F51BA10A}">
-      <p15:sldGuideLst xmlns:p15="http://schemas.microsoft.com/office/powerpoint/2012/main" xmlns="">
+      <p15:sldGuideLst xmlns="" xmlns:p15="http://schemas.microsoft.com/office/powerpoint/2012/main">
         <p15:guide id="1" orient="horz" pos="2160">
           <p15:clr>
             <a:srgbClr val="A4A3A4"/>
@@ -165,7 +165,7 @@
       </p15:sldGuideLst>
     </p:ext>
     <p:ext uri="{2D200454-40CA-4A62-9FC3-DE9A4176ACB9}">
-      <p15:notesGuideLst xmlns:p15="http://schemas.microsoft.com/office/powerpoint/2012/main" xmlns="">
+      <p15:notesGuideLst xmlns="" xmlns:p15="http://schemas.microsoft.com/office/powerpoint/2012/main">
         <p15:guide id="1" orient="horz" pos="3223">
           <p15:clr>
             <a:srgbClr val="A4A3A4"/>
@@ -1999,189 +1999,6 @@
           </a:p>
         </p:txBody>
       </p:sp>
-      <p:grpSp>
-        <p:nvGrpSpPr>
-          <p:cNvPr id="84" name="グループ化 83"/>
-          <p:cNvGrpSpPr/>
-          <p:nvPr/>
-        </p:nvGrpSpPr>
-        <p:grpSpPr>
-          <a:xfrm>
-            <a:off x="924882" y="2242327"/>
-            <a:ext cx="888715" cy="431084"/>
-            <a:chOff x="749213" y="2672982"/>
-            <a:chExt cx="888715" cy="431084"/>
-          </a:xfrm>
-        </p:grpSpPr>
-        <p:sp>
-          <p:nvSpPr>
-            <p:cNvPr id="85" name="テキスト ボックス 84"/>
-            <p:cNvSpPr txBox="1"/>
-            <p:nvPr/>
-          </p:nvSpPr>
-          <p:spPr>
-            <a:xfrm>
-              <a:off x="749213" y="2827067"/>
-              <a:ext cx="263671" cy="276999"/>
-            </a:xfrm>
-            <a:prstGeom prst="rect">
-              <a:avLst/>
-            </a:prstGeom>
-            <a:noFill/>
-            <a:ln w="19050" cap="rnd">
-              <a:noFill/>
-              <a:prstDash val="sysDash"/>
-            </a:ln>
-          </p:spPr>
-          <p:txBody>
-            <a:bodyPr wrap="square" rtlCol="0">
-              <a:spAutoFit/>
-            </a:bodyPr>
-            <a:lstStyle/>
-            <a:p>
-              <a:r>
-                <a:rPr lang="en-US" altLang="ja-JP" sz="1200" smtClean="0">
-                  <a:latin typeface="HG丸ｺﾞｼｯｸM-PRO" panose="020F0600000000000000" pitchFamily="50" charset="-128"/>
-                  <a:ea typeface="HG丸ｺﾞｼｯｸM-PRO" panose="020F0600000000000000" pitchFamily="50" charset="-128"/>
-                  <a:cs typeface="Courier New" pitchFamily="49" charset="0"/>
-                </a:rPr>
-                <a:t>.</a:t>
-              </a:r>
-              <a:endParaRPr lang="en-US" altLang="ja-JP" sz="1200">
-                <a:latin typeface="HG丸ｺﾞｼｯｸM-PRO" panose="020F0600000000000000" pitchFamily="50" charset="-128"/>
-                <a:ea typeface="HG丸ｺﾞｼｯｸM-PRO" panose="020F0600000000000000" pitchFamily="50" charset="-128"/>
-                <a:cs typeface="Courier New" pitchFamily="49" charset="0"/>
-              </a:endParaRPr>
-            </a:p>
-          </p:txBody>
-        </p:sp>
-        <p:sp>
-          <p:nvSpPr>
-            <p:cNvPr id="87" name="テキスト ボックス 86"/>
-            <p:cNvSpPr txBox="1"/>
-            <p:nvPr/>
-          </p:nvSpPr>
-          <p:spPr>
-            <a:xfrm>
-              <a:off x="1358016" y="2672982"/>
-              <a:ext cx="279912" cy="276999"/>
-            </a:xfrm>
-            <a:prstGeom prst="rect">
-              <a:avLst/>
-            </a:prstGeom>
-            <a:noFill/>
-            <a:ln w="19050" cap="rnd">
-              <a:noFill/>
-              <a:prstDash val="sysDash"/>
-            </a:ln>
-          </p:spPr>
-          <p:txBody>
-            <a:bodyPr wrap="square" rtlCol="0">
-              <a:spAutoFit/>
-            </a:bodyPr>
-            <a:lstStyle/>
-            <a:p>
-              <a:r>
-                <a:rPr lang="en-US" altLang="ja-JP" sz="1200" smtClean="0">
-                  <a:latin typeface="HG丸ｺﾞｼｯｸM-PRO" panose="020F0600000000000000" pitchFamily="50" charset="-128"/>
-                  <a:ea typeface="HG丸ｺﾞｼｯｸM-PRO" panose="020F0600000000000000" pitchFamily="50" charset="-128"/>
-                  <a:cs typeface="Courier New" pitchFamily="49" charset="0"/>
-                </a:rPr>
-                <a:t>.</a:t>
-              </a:r>
-              <a:endParaRPr lang="en-US" altLang="ja-JP" sz="1200">
-                <a:latin typeface="HG丸ｺﾞｼｯｸM-PRO" panose="020F0600000000000000" pitchFamily="50" charset="-128"/>
-                <a:ea typeface="HG丸ｺﾞｼｯｸM-PRO" panose="020F0600000000000000" pitchFamily="50" charset="-128"/>
-                <a:cs typeface="Courier New" pitchFamily="49" charset="0"/>
-              </a:endParaRPr>
-            </a:p>
-          </p:txBody>
-        </p:sp>
-        <p:sp>
-          <p:nvSpPr>
-            <p:cNvPr id="88" name="テキスト ボックス 87"/>
-            <p:cNvSpPr txBox="1"/>
-            <p:nvPr/>
-          </p:nvSpPr>
-          <p:spPr>
-            <a:xfrm>
-              <a:off x="1158233" y="2726923"/>
-              <a:ext cx="263671" cy="276999"/>
-            </a:xfrm>
-            <a:prstGeom prst="rect">
-              <a:avLst/>
-            </a:prstGeom>
-            <a:noFill/>
-            <a:ln w="19050" cap="rnd">
-              <a:noFill/>
-              <a:prstDash val="sysDash"/>
-            </a:ln>
-          </p:spPr>
-          <p:txBody>
-            <a:bodyPr wrap="square" rtlCol="0">
-              <a:spAutoFit/>
-            </a:bodyPr>
-            <a:lstStyle/>
-            <a:p>
-              <a:r>
-                <a:rPr lang="en-US" altLang="ja-JP" sz="1200" smtClean="0">
-                  <a:latin typeface="HG丸ｺﾞｼｯｸM-PRO" panose="020F0600000000000000" pitchFamily="50" charset="-128"/>
-                  <a:ea typeface="HG丸ｺﾞｼｯｸM-PRO" panose="020F0600000000000000" pitchFamily="50" charset="-128"/>
-                  <a:cs typeface="Courier New" pitchFamily="49" charset="0"/>
-                </a:rPr>
-                <a:t>.</a:t>
-              </a:r>
-              <a:endParaRPr lang="en-US" altLang="ja-JP" sz="1200">
-                <a:latin typeface="HG丸ｺﾞｼｯｸM-PRO" panose="020F0600000000000000" pitchFamily="50" charset="-128"/>
-                <a:ea typeface="HG丸ｺﾞｼｯｸM-PRO" panose="020F0600000000000000" pitchFamily="50" charset="-128"/>
-                <a:cs typeface="Courier New" pitchFamily="49" charset="0"/>
-              </a:endParaRPr>
-            </a:p>
-          </p:txBody>
-        </p:sp>
-        <p:sp>
-          <p:nvSpPr>
-            <p:cNvPr id="89" name="テキスト ボックス 88"/>
-            <p:cNvSpPr txBox="1"/>
-            <p:nvPr/>
-          </p:nvSpPr>
-          <p:spPr>
-            <a:xfrm>
-              <a:off x="987425" y="2770795"/>
-              <a:ext cx="279912" cy="276999"/>
-            </a:xfrm>
-            <a:prstGeom prst="rect">
-              <a:avLst/>
-            </a:prstGeom>
-            <a:noFill/>
-            <a:ln w="19050" cap="rnd">
-              <a:noFill/>
-              <a:prstDash val="sysDash"/>
-            </a:ln>
-          </p:spPr>
-          <p:txBody>
-            <a:bodyPr wrap="square" rtlCol="0">
-              <a:spAutoFit/>
-            </a:bodyPr>
-            <a:lstStyle/>
-            <a:p>
-              <a:r>
-                <a:rPr lang="en-US" altLang="ja-JP" sz="1200" smtClean="0">
-                  <a:latin typeface="HG丸ｺﾞｼｯｸM-PRO" panose="020F0600000000000000" pitchFamily="50" charset="-128"/>
-                  <a:ea typeface="HG丸ｺﾞｼｯｸM-PRO" panose="020F0600000000000000" pitchFamily="50" charset="-128"/>
-                  <a:cs typeface="Courier New" pitchFamily="49" charset="0"/>
-                </a:rPr>
-                <a:t>.</a:t>
-              </a:r>
-              <a:endParaRPr lang="en-US" altLang="ja-JP" sz="1200">
-                <a:latin typeface="HG丸ｺﾞｼｯｸM-PRO" panose="020F0600000000000000" pitchFamily="50" charset="-128"/>
-                <a:ea typeface="HG丸ｺﾞｼｯｸM-PRO" panose="020F0600000000000000" pitchFamily="50" charset="-128"/>
-                <a:cs typeface="Courier New" pitchFamily="49" charset="0"/>
-              </a:endParaRPr>
-            </a:p>
-          </p:txBody>
-        </p:sp>
-      </p:grpSp>
       <mc:AlternateContent xmlns:mc="http://schemas.openxmlformats.org/markup-compatibility/2006" xmlns:a14="http://schemas.microsoft.com/office/drawing/2010/main">
         <mc:Choice Requires="a14">
           <p:sp>
@@ -3013,10 +2830,10 @@
         </p:nvGrpSpPr>
         <p:grpSpPr>
           <a:xfrm>
-            <a:off x="749213" y="2672982"/>
-            <a:ext cx="888715" cy="431084"/>
-            <a:chOff x="749213" y="2672982"/>
-            <a:chExt cx="888715" cy="431084"/>
+            <a:off x="745801" y="2676602"/>
+            <a:ext cx="895539" cy="441320"/>
+            <a:chOff x="749213" y="2662746"/>
+            <a:chExt cx="895539" cy="441320"/>
           </a:xfrm>
         </p:grpSpPr>
         <p:sp>
@@ -3069,7 +2886,7 @@
           </p:nvSpPr>
           <p:spPr>
             <a:xfrm>
-              <a:off x="1358016" y="2672982"/>
+              <a:off x="1364840" y="2662746"/>
               <a:ext cx="279912" cy="276999"/>
             </a:xfrm>
             <a:prstGeom prst="rect">
@@ -3111,7 +2928,7 @@
           </p:nvSpPr>
           <p:spPr>
             <a:xfrm>
-              <a:off x="1158233" y="2726923"/>
+              <a:off x="1161645" y="2716687"/>
               <a:ext cx="263671" cy="276999"/>
             </a:xfrm>
             <a:prstGeom prst="rect">
@@ -3153,7 +2970,7 @@
           </p:nvSpPr>
           <p:spPr>
             <a:xfrm>
-              <a:off x="987425" y="2770795"/>
+              <a:off x="941960" y="2775887"/>
               <a:ext cx="279912" cy="276999"/>
             </a:xfrm>
             <a:prstGeom prst="rect">
@@ -3190,21 +3007,21 @@
       </p:grpSp>
       <p:grpSp>
         <p:nvGrpSpPr>
-          <p:cNvPr id="64" name="グループ化 63"/>
+          <p:cNvPr id="35" name="グループ化 34"/>
           <p:cNvGrpSpPr/>
           <p:nvPr/>
         </p:nvGrpSpPr>
         <p:grpSpPr>
           <a:xfrm>
-            <a:off x="869596" y="2381915"/>
-            <a:ext cx="888715" cy="431084"/>
-            <a:chOff x="749213" y="2672982"/>
-            <a:chExt cx="888715" cy="431084"/>
+            <a:off x="862900" y="2374922"/>
+            <a:ext cx="895539" cy="441320"/>
+            <a:chOff x="749213" y="2662746"/>
+            <a:chExt cx="895539" cy="441320"/>
           </a:xfrm>
         </p:grpSpPr>
         <p:sp>
           <p:nvSpPr>
-            <p:cNvPr id="66" name="テキスト ボックス 65"/>
+            <p:cNvPr id="36" name="テキスト ボックス 35"/>
             <p:cNvSpPr txBox="1"/>
             <p:nvPr/>
           </p:nvSpPr>
@@ -3246,13 +3063,13 @@
         </p:sp>
         <p:sp>
           <p:nvSpPr>
-            <p:cNvPr id="69" name="テキスト ボックス 68"/>
+            <p:cNvPr id="37" name="テキスト ボックス 36"/>
             <p:cNvSpPr txBox="1"/>
             <p:nvPr/>
           </p:nvSpPr>
           <p:spPr>
             <a:xfrm>
-              <a:off x="1358016" y="2672982"/>
+              <a:off x="1364840" y="2662746"/>
               <a:ext cx="279912" cy="276999"/>
             </a:xfrm>
             <a:prstGeom prst="rect">
@@ -3288,13 +3105,13 @@
         </p:sp>
         <p:sp>
           <p:nvSpPr>
-            <p:cNvPr id="70" name="テキスト ボックス 69"/>
+            <p:cNvPr id="38" name="テキスト ボックス 37"/>
             <p:cNvSpPr txBox="1"/>
             <p:nvPr/>
           </p:nvSpPr>
           <p:spPr>
             <a:xfrm>
-              <a:off x="1158233" y="2726923"/>
+              <a:off x="1161645" y="2716687"/>
               <a:ext cx="263671" cy="276999"/>
             </a:xfrm>
             <a:prstGeom prst="rect">
@@ -3330,13 +3147,13 @@
         </p:sp>
         <p:sp>
           <p:nvSpPr>
-            <p:cNvPr id="71" name="テキスト ボックス 70"/>
+            <p:cNvPr id="39" name="テキスト ボックス 38"/>
             <p:cNvSpPr txBox="1"/>
             <p:nvPr/>
           </p:nvSpPr>
           <p:spPr>
             <a:xfrm>
-              <a:off x="987425" y="2770795"/>
+              <a:off x="941960" y="2775887"/>
               <a:ext cx="279912" cy="276999"/>
             </a:xfrm>
             <a:prstGeom prst="rect">
@@ -3373,21 +3190,21 @@
       </p:grpSp>
       <p:grpSp>
         <p:nvGrpSpPr>
-          <p:cNvPr id="78" name="グループ化 77"/>
+          <p:cNvPr id="40" name="グループ化 39"/>
           <p:cNvGrpSpPr/>
           <p:nvPr/>
         </p:nvGrpSpPr>
         <p:grpSpPr>
           <a:xfrm>
-            <a:off x="812519" y="2520247"/>
-            <a:ext cx="888715" cy="431084"/>
-            <a:chOff x="749213" y="2672982"/>
-            <a:chExt cx="888715" cy="431084"/>
+            <a:off x="809489" y="2517618"/>
+            <a:ext cx="895539" cy="441320"/>
+            <a:chOff x="749213" y="2662746"/>
+            <a:chExt cx="895539" cy="441320"/>
           </a:xfrm>
         </p:grpSpPr>
         <p:sp>
           <p:nvSpPr>
-            <p:cNvPr id="79" name="テキスト ボックス 78"/>
+            <p:cNvPr id="42" name="テキスト ボックス 41"/>
             <p:cNvSpPr txBox="1"/>
             <p:nvPr/>
           </p:nvSpPr>
@@ -3429,13 +3246,13 @@
         </p:sp>
         <p:sp>
           <p:nvSpPr>
-            <p:cNvPr id="81" name="テキスト ボックス 80"/>
+            <p:cNvPr id="43" name="テキスト ボックス 42"/>
             <p:cNvSpPr txBox="1"/>
             <p:nvPr/>
           </p:nvSpPr>
           <p:spPr>
             <a:xfrm>
-              <a:off x="1358016" y="2672982"/>
+              <a:off x="1364840" y="2662746"/>
               <a:ext cx="279912" cy="276999"/>
             </a:xfrm>
             <a:prstGeom prst="rect">
@@ -3471,13 +3288,13 @@
         </p:sp>
         <p:sp>
           <p:nvSpPr>
-            <p:cNvPr id="82" name="テキスト ボックス 81"/>
+            <p:cNvPr id="44" name="テキスト ボックス 43"/>
             <p:cNvSpPr txBox="1"/>
             <p:nvPr/>
           </p:nvSpPr>
           <p:spPr>
             <a:xfrm>
-              <a:off x="1158233" y="2726923"/>
+              <a:off x="1161645" y="2716687"/>
               <a:ext cx="263671" cy="276999"/>
             </a:xfrm>
             <a:prstGeom prst="rect">
@@ -3513,13 +3330,196 @@
         </p:sp>
         <p:sp>
           <p:nvSpPr>
-            <p:cNvPr id="83" name="テキスト ボックス 82"/>
+            <p:cNvPr id="45" name="テキスト ボックス 44"/>
             <p:cNvSpPr txBox="1"/>
             <p:nvPr/>
           </p:nvSpPr>
           <p:spPr>
             <a:xfrm>
-              <a:off x="987425" y="2770795"/>
+              <a:off x="941960" y="2775887"/>
+              <a:ext cx="279912" cy="276999"/>
+            </a:xfrm>
+            <a:prstGeom prst="rect">
+              <a:avLst/>
+            </a:prstGeom>
+            <a:noFill/>
+            <a:ln w="19050" cap="rnd">
+              <a:noFill/>
+              <a:prstDash val="sysDash"/>
+            </a:ln>
+          </p:spPr>
+          <p:txBody>
+            <a:bodyPr wrap="square" rtlCol="0">
+              <a:spAutoFit/>
+            </a:bodyPr>
+            <a:lstStyle/>
+            <a:p>
+              <a:r>
+                <a:rPr lang="en-US" altLang="ja-JP" sz="1200" smtClean="0">
+                  <a:latin typeface="HG丸ｺﾞｼｯｸM-PRO" panose="020F0600000000000000" pitchFamily="50" charset="-128"/>
+                  <a:ea typeface="HG丸ｺﾞｼｯｸM-PRO" panose="020F0600000000000000" pitchFamily="50" charset="-128"/>
+                  <a:cs typeface="Courier New" pitchFamily="49" charset="0"/>
+                </a:rPr>
+                <a:t>.</a:t>
+              </a:r>
+              <a:endParaRPr lang="en-US" altLang="ja-JP" sz="1200">
+                <a:latin typeface="HG丸ｺﾞｼｯｸM-PRO" panose="020F0600000000000000" pitchFamily="50" charset="-128"/>
+                <a:ea typeface="HG丸ｺﾞｼｯｸM-PRO" panose="020F0600000000000000" pitchFamily="50" charset="-128"/>
+                <a:cs typeface="Courier New" pitchFamily="49" charset="0"/>
+              </a:endParaRPr>
+            </a:p>
+          </p:txBody>
+        </p:sp>
+      </p:grpSp>
+      <p:grpSp>
+        <p:nvGrpSpPr>
+          <p:cNvPr id="47" name="グループ化 46"/>
+          <p:cNvGrpSpPr/>
+          <p:nvPr/>
+        </p:nvGrpSpPr>
+        <p:grpSpPr>
+          <a:xfrm>
+            <a:off x="925497" y="2230550"/>
+            <a:ext cx="895539" cy="441320"/>
+            <a:chOff x="749213" y="2662746"/>
+            <a:chExt cx="895539" cy="441320"/>
+          </a:xfrm>
+        </p:grpSpPr>
+        <p:sp>
+          <p:nvSpPr>
+            <p:cNvPr id="48" name="テキスト ボックス 47"/>
+            <p:cNvSpPr txBox="1"/>
+            <p:nvPr/>
+          </p:nvSpPr>
+          <p:spPr>
+            <a:xfrm>
+              <a:off x="749213" y="2827067"/>
+              <a:ext cx="263671" cy="276999"/>
+            </a:xfrm>
+            <a:prstGeom prst="rect">
+              <a:avLst/>
+            </a:prstGeom>
+            <a:noFill/>
+            <a:ln w="19050" cap="rnd">
+              <a:noFill/>
+              <a:prstDash val="sysDash"/>
+            </a:ln>
+          </p:spPr>
+          <p:txBody>
+            <a:bodyPr wrap="square" rtlCol="0">
+              <a:spAutoFit/>
+            </a:bodyPr>
+            <a:lstStyle/>
+            <a:p>
+              <a:r>
+                <a:rPr lang="en-US" altLang="ja-JP" sz="1200" smtClean="0">
+                  <a:latin typeface="HG丸ｺﾞｼｯｸM-PRO" panose="020F0600000000000000" pitchFamily="50" charset="-128"/>
+                  <a:ea typeface="HG丸ｺﾞｼｯｸM-PRO" panose="020F0600000000000000" pitchFamily="50" charset="-128"/>
+                  <a:cs typeface="Courier New" pitchFamily="49" charset="0"/>
+                </a:rPr>
+                <a:t>.</a:t>
+              </a:r>
+              <a:endParaRPr lang="en-US" altLang="ja-JP" sz="1200">
+                <a:latin typeface="HG丸ｺﾞｼｯｸM-PRO" panose="020F0600000000000000" pitchFamily="50" charset="-128"/>
+                <a:ea typeface="HG丸ｺﾞｼｯｸM-PRO" panose="020F0600000000000000" pitchFamily="50" charset="-128"/>
+                <a:cs typeface="Courier New" pitchFamily="49" charset="0"/>
+              </a:endParaRPr>
+            </a:p>
+          </p:txBody>
+        </p:sp>
+        <p:sp>
+          <p:nvSpPr>
+            <p:cNvPr id="49" name="テキスト ボックス 48"/>
+            <p:cNvSpPr txBox="1"/>
+            <p:nvPr/>
+          </p:nvSpPr>
+          <p:spPr>
+            <a:xfrm>
+              <a:off x="1364840" y="2662746"/>
+              <a:ext cx="279912" cy="276999"/>
+            </a:xfrm>
+            <a:prstGeom prst="rect">
+              <a:avLst/>
+            </a:prstGeom>
+            <a:noFill/>
+            <a:ln w="19050" cap="rnd">
+              <a:noFill/>
+              <a:prstDash val="sysDash"/>
+            </a:ln>
+          </p:spPr>
+          <p:txBody>
+            <a:bodyPr wrap="square" rtlCol="0">
+              <a:spAutoFit/>
+            </a:bodyPr>
+            <a:lstStyle/>
+            <a:p>
+              <a:r>
+                <a:rPr lang="en-US" altLang="ja-JP" sz="1200" smtClean="0">
+                  <a:latin typeface="HG丸ｺﾞｼｯｸM-PRO" panose="020F0600000000000000" pitchFamily="50" charset="-128"/>
+                  <a:ea typeface="HG丸ｺﾞｼｯｸM-PRO" panose="020F0600000000000000" pitchFamily="50" charset="-128"/>
+                  <a:cs typeface="Courier New" pitchFamily="49" charset="0"/>
+                </a:rPr>
+                <a:t>.</a:t>
+              </a:r>
+              <a:endParaRPr lang="en-US" altLang="ja-JP" sz="1200">
+                <a:latin typeface="HG丸ｺﾞｼｯｸM-PRO" panose="020F0600000000000000" pitchFamily="50" charset="-128"/>
+                <a:ea typeface="HG丸ｺﾞｼｯｸM-PRO" panose="020F0600000000000000" pitchFamily="50" charset="-128"/>
+                <a:cs typeface="Courier New" pitchFamily="49" charset="0"/>
+              </a:endParaRPr>
+            </a:p>
+          </p:txBody>
+        </p:sp>
+        <p:sp>
+          <p:nvSpPr>
+            <p:cNvPr id="50" name="テキスト ボックス 49"/>
+            <p:cNvSpPr txBox="1"/>
+            <p:nvPr/>
+          </p:nvSpPr>
+          <p:spPr>
+            <a:xfrm>
+              <a:off x="1161645" y="2716687"/>
+              <a:ext cx="263671" cy="276999"/>
+            </a:xfrm>
+            <a:prstGeom prst="rect">
+              <a:avLst/>
+            </a:prstGeom>
+            <a:noFill/>
+            <a:ln w="19050" cap="rnd">
+              <a:noFill/>
+              <a:prstDash val="sysDash"/>
+            </a:ln>
+          </p:spPr>
+          <p:txBody>
+            <a:bodyPr wrap="square" rtlCol="0">
+              <a:spAutoFit/>
+            </a:bodyPr>
+            <a:lstStyle/>
+            <a:p>
+              <a:r>
+                <a:rPr lang="en-US" altLang="ja-JP" sz="1200" smtClean="0">
+                  <a:latin typeface="HG丸ｺﾞｼｯｸM-PRO" panose="020F0600000000000000" pitchFamily="50" charset="-128"/>
+                  <a:ea typeface="HG丸ｺﾞｼｯｸM-PRO" panose="020F0600000000000000" pitchFamily="50" charset="-128"/>
+                  <a:cs typeface="Courier New" pitchFamily="49" charset="0"/>
+                </a:rPr>
+                <a:t>.</a:t>
+              </a:r>
+              <a:endParaRPr lang="en-US" altLang="ja-JP" sz="1200">
+                <a:latin typeface="HG丸ｺﾞｼｯｸM-PRO" panose="020F0600000000000000" pitchFamily="50" charset="-128"/>
+                <a:ea typeface="HG丸ｺﾞｼｯｸM-PRO" panose="020F0600000000000000" pitchFamily="50" charset="-128"/>
+                <a:cs typeface="Courier New" pitchFamily="49" charset="0"/>
+              </a:endParaRPr>
+            </a:p>
+          </p:txBody>
+        </p:sp>
+        <p:sp>
+          <p:nvSpPr>
+            <p:cNvPr id="51" name="テキスト ボックス 50"/>
+            <p:cNvSpPr txBox="1"/>
+            <p:nvPr/>
+          </p:nvSpPr>
+          <p:spPr>
+            <a:xfrm>
+              <a:off x="941960" y="2775887"/>
               <a:ext cx="279912" cy="276999"/>
             </a:xfrm>
             <a:prstGeom prst="rect">
